--- a/trabalho_final/extra_files/prints.pptx
+++ b/trabalho_final/extra_files/prints.pptx
@@ -11,6 +11,18 @@
     <p:sldId id="259" r:id="rId5"/>
     <p:sldId id="260" r:id="rId6"/>
     <p:sldId id="261" r:id="rId7"/>
+    <p:sldId id="262" r:id="rId8"/>
+    <p:sldId id="263" r:id="rId9"/>
+    <p:sldId id="264" r:id="rId10"/>
+    <p:sldId id="265" r:id="rId11"/>
+    <p:sldId id="266" r:id="rId12"/>
+    <p:sldId id="267" r:id="rId13"/>
+    <p:sldId id="268" r:id="rId14"/>
+    <p:sldId id="269" r:id="rId15"/>
+    <p:sldId id="270" r:id="rId16"/>
+    <p:sldId id="271" r:id="rId17"/>
+    <p:sldId id="272" r:id="rId18"/>
+    <p:sldId id="273" r:id="rId19"/>
   </p:sldIdLst>
   <p:sldSz cx="12192000" cy="6858000"/>
   <p:notesSz cx="6858000" cy="9144000"/>
@@ -109,6 +121,11 @@
       </a:defRPr>
     </a:lvl9pPr>
   </p:defaultTextStyle>
+  <p:extLst>
+    <p:ext uri="{EFAFB233-063F-42B5-8137-9DF3F51BA10A}">
+      <p15:sldGuideLst xmlns:p15="http://schemas.microsoft.com/office/powerpoint/2012/main"/>
+    </p:ext>
+  </p:extLst>
 </p:presentation>
 </file>
 
@@ -259,7 +276,7 @@
           <a:p>
             <a:fld id="{A5880448-CE31-46D3-8CA4-4DA434DADCE4}" type="datetimeFigureOut">
               <a:rPr lang="pt-BR" smtClean="0"/>
-              <a:t>09/11/2021</a:t>
+              <a:t>22/11/2021</a:t>
             </a:fld>
             <a:endParaRPr lang="pt-BR"/>
           </a:p>
@@ -457,7 +474,7 @@
           <a:p>
             <a:fld id="{A5880448-CE31-46D3-8CA4-4DA434DADCE4}" type="datetimeFigureOut">
               <a:rPr lang="pt-BR" smtClean="0"/>
-              <a:t>09/11/2021</a:t>
+              <a:t>22/11/2021</a:t>
             </a:fld>
             <a:endParaRPr lang="pt-BR"/>
           </a:p>
@@ -665,7 +682,7 @@
           <a:p>
             <a:fld id="{A5880448-CE31-46D3-8CA4-4DA434DADCE4}" type="datetimeFigureOut">
               <a:rPr lang="pt-BR" smtClean="0"/>
-              <a:t>09/11/2021</a:t>
+              <a:t>22/11/2021</a:t>
             </a:fld>
             <a:endParaRPr lang="pt-BR"/>
           </a:p>
@@ -863,7 +880,7 @@
           <a:p>
             <a:fld id="{A5880448-CE31-46D3-8CA4-4DA434DADCE4}" type="datetimeFigureOut">
               <a:rPr lang="pt-BR" smtClean="0"/>
-              <a:t>09/11/2021</a:t>
+              <a:t>22/11/2021</a:t>
             </a:fld>
             <a:endParaRPr lang="pt-BR"/>
           </a:p>
@@ -1138,7 +1155,7 @@
           <a:p>
             <a:fld id="{A5880448-CE31-46D3-8CA4-4DA434DADCE4}" type="datetimeFigureOut">
               <a:rPr lang="pt-BR" smtClean="0"/>
-              <a:t>09/11/2021</a:t>
+              <a:t>22/11/2021</a:t>
             </a:fld>
             <a:endParaRPr lang="pt-BR"/>
           </a:p>
@@ -1403,7 +1420,7 @@
           <a:p>
             <a:fld id="{A5880448-CE31-46D3-8CA4-4DA434DADCE4}" type="datetimeFigureOut">
               <a:rPr lang="pt-BR" smtClean="0"/>
-              <a:t>09/11/2021</a:t>
+              <a:t>22/11/2021</a:t>
             </a:fld>
             <a:endParaRPr lang="pt-BR"/>
           </a:p>
@@ -1815,7 +1832,7 @@
           <a:p>
             <a:fld id="{A5880448-CE31-46D3-8CA4-4DA434DADCE4}" type="datetimeFigureOut">
               <a:rPr lang="pt-BR" smtClean="0"/>
-              <a:t>09/11/2021</a:t>
+              <a:t>22/11/2021</a:t>
             </a:fld>
             <a:endParaRPr lang="pt-BR"/>
           </a:p>
@@ -1956,7 +1973,7 @@
           <a:p>
             <a:fld id="{A5880448-CE31-46D3-8CA4-4DA434DADCE4}" type="datetimeFigureOut">
               <a:rPr lang="pt-BR" smtClean="0"/>
-              <a:t>09/11/2021</a:t>
+              <a:t>22/11/2021</a:t>
             </a:fld>
             <a:endParaRPr lang="pt-BR"/>
           </a:p>
@@ -2069,7 +2086,7 @@
           <a:p>
             <a:fld id="{A5880448-CE31-46D3-8CA4-4DA434DADCE4}" type="datetimeFigureOut">
               <a:rPr lang="pt-BR" smtClean="0"/>
-              <a:t>09/11/2021</a:t>
+              <a:t>22/11/2021</a:t>
             </a:fld>
             <a:endParaRPr lang="pt-BR"/>
           </a:p>
@@ -2380,7 +2397,7 @@
           <a:p>
             <a:fld id="{A5880448-CE31-46D3-8CA4-4DA434DADCE4}" type="datetimeFigureOut">
               <a:rPr lang="pt-BR" smtClean="0"/>
-              <a:t>09/11/2021</a:t>
+              <a:t>22/11/2021</a:t>
             </a:fld>
             <a:endParaRPr lang="pt-BR"/>
           </a:p>
@@ -2668,7 +2685,7 @@
           <a:p>
             <a:fld id="{A5880448-CE31-46D3-8CA4-4DA434DADCE4}" type="datetimeFigureOut">
               <a:rPr lang="pt-BR" smtClean="0"/>
-              <a:t>09/11/2021</a:t>
+              <a:t>22/11/2021</a:t>
             </a:fld>
             <a:endParaRPr lang="pt-BR"/>
           </a:p>
@@ -2909,7 +2926,7 @@
           <a:p>
             <a:fld id="{A5880448-CE31-46D3-8CA4-4DA434DADCE4}" type="datetimeFigureOut">
               <a:rPr lang="pt-BR" smtClean="0"/>
-              <a:t>09/11/2021</a:t>
+              <a:t>22/11/2021</a:t>
             </a:fld>
             <a:endParaRPr lang="pt-BR"/>
           </a:p>
@@ -3479,6 +3496,782 @@
 </p:sld>
 </file>
 
+<file path=ppt/slides/slide10.xml><?xml version="1.0" encoding="utf-8"?>
+<p:sld xmlns:a="http://schemas.openxmlformats.org/drawingml/2006/main" xmlns:r="http://schemas.openxmlformats.org/officeDocument/2006/relationships" xmlns:p="http://schemas.openxmlformats.org/presentationml/2006/main">
+  <p:cSld>
+    <p:spTree>
+      <p:nvGrpSpPr>
+        <p:cNvPr id="1" name=""/>
+        <p:cNvGrpSpPr/>
+        <p:nvPr/>
+      </p:nvGrpSpPr>
+      <p:grpSpPr>
+        <a:xfrm>
+          <a:off x="0" y="0"/>
+          <a:ext cx="0" cy="0"/>
+          <a:chOff x="0" y="0"/>
+          <a:chExt cx="0" cy="0"/>
+        </a:xfrm>
+      </p:grpSpPr>
+      <p:sp>
+        <p:nvSpPr>
+          <p:cNvPr id="2" name="Título 1">
+            <a:extLst>
+              <a:ext uri="{FF2B5EF4-FFF2-40B4-BE49-F238E27FC236}">
+                <a16:creationId xmlns:a16="http://schemas.microsoft.com/office/drawing/2014/main" id="{AB96B8FC-5241-4EA0-A9EF-F546F0CC233A}"/>
+              </a:ext>
+            </a:extLst>
+          </p:cNvPr>
+          <p:cNvSpPr>
+            <a:spLocks noGrp="1"/>
+          </p:cNvSpPr>
+          <p:nvPr>
+            <p:ph type="title"/>
+          </p:nvPr>
+        </p:nvSpPr>
+        <p:spPr/>
+        <p:txBody>
+          <a:bodyPr/>
+          <a:lstStyle/>
+          <a:p>
+            <a:endParaRPr lang="pt-BR"/>
+          </a:p>
+        </p:txBody>
+      </p:sp>
+      <p:pic>
+        <p:nvPicPr>
+          <p:cNvPr id="4" name="Espaço Reservado para Conteúdo 3">
+            <a:extLst>
+              <a:ext uri="{FF2B5EF4-FFF2-40B4-BE49-F238E27FC236}">
+                <a16:creationId xmlns:a16="http://schemas.microsoft.com/office/drawing/2014/main" id="{1DE32F1E-EA7B-48F6-954A-C790444D06F9}"/>
+              </a:ext>
+            </a:extLst>
+          </p:cNvPr>
+          <p:cNvPicPr>
+            <a:picLocks noGrp="1" noChangeAspect="1"/>
+          </p:cNvPicPr>
+          <p:nvPr>
+            <p:ph idx="1"/>
+          </p:nvPr>
+        </p:nvPicPr>
+        <p:blipFill>
+          <a:blip r:embed="rId2"/>
+          <a:stretch>
+            <a:fillRect/>
+          </a:stretch>
+        </p:blipFill>
+        <p:spPr>
+          <a:xfrm>
+            <a:off x="3080807" y="1825625"/>
+            <a:ext cx="6030386" cy="4351338"/>
+          </a:xfrm>
+          <a:prstGeom prst="rect">
+            <a:avLst/>
+          </a:prstGeom>
+        </p:spPr>
+      </p:pic>
+    </p:spTree>
+    <p:extLst>
+      <p:ext uri="{BB962C8B-B14F-4D97-AF65-F5344CB8AC3E}">
+        <p14:creationId xmlns:p14="http://schemas.microsoft.com/office/powerpoint/2010/main" val="3453072251"/>
+      </p:ext>
+    </p:extLst>
+  </p:cSld>
+  <p:clrMapOvr>
+    <a:masterClrMapping/>
+  </p:clrMapOvr>
+</p:sld>
+</file>
+
+<file path=ppt/slides/slide11.xml><?xml version="1.0" encoding="utf-8"?>
+<p:sld xmlns:a="http://schemas.openxmlformats.org/drawingml/2006/main" xmlns:r="http://schemas.openxmlformats.org/officeDocument/2006/relationships" xmlns:p="http://schemas.openxmlformats.org/presentationml/2006/main">
+  <p:cSld>
+    <p:spTree>
+      <p:nvGrpSpPr>
+        <p:cNvPr id="1" name=""/>
+        <p:cNvGrpSpPr/>
+        <p:nvPr/>
+      </p:nvGrpSpPr>
+      <p:grpSpPr>
+        <a:xfrm>
+          <a:off x="0" y="0"/>
+          <a:ext cx="0" cy="0"/>
+          <a:chOff x="0" y="0"/>
+          <a:chExt cx="0" cy="0"/>
+        </a:xfrm>
+      </p:grpSpPr>
+      <p:sp>
+        <p:nvSpPr>
+          <p:cNvPr id="2" name="Título 1">
+            <a:extLst>
+              <a:ext uri="{FF2B5EF4-FFF2-40B4-BE49-F238E27FC236}">
+                <a16:creationId xmlns:a16="http://schemas.microsoft.com/office/drawing/2014/main" id="{3AB776D3-3ED4-4D26-A67D-F2B6D8040D62}"/>
+              </a:ext>
+            </a:extLst>
+          </p:cNvPr>
+          <p:cNvSpPr>
+            <a:spLocks noGrp="1"/>
+          </p:cNvSpPr>
+          <p:nvPr>
+            <p:ph type="title"/>
+          </p:nvPr>
+        </p:nvSpPr>
+        <p:spPr/>
+        <p:txBody>
+          <a:bodyPr/>
+          <a:lstStyle/>
+          <a:p>
+            <a:endParaRPr lang="pt-BR"/>
+          </a:p>
+        </p:txBody>
+      </p:sp>
+      <p:pic>
+        <p:nvPicPr>
+          <p:cNvPr id="4" name="Espaço Reservado para Conteúdo 3">
+            <a:extLst>
+              <a:ext uri="{FF2B5EF4-FFF2-40B4-BE49-F238E27FC236}">
+                <a16:creationId xmlns:a16="http://schemas.microsoft.com/office/drawing/2014/main" id="{2C7AB336-E2F9-4F91-BDED-B0DC49569132}"/>
+              </a:ext>
+            </a:extLst>
+          </p:cNvPr>
+          <p:cNvPicPr>
+            <a:picLocks noGrp="1" noChangeAspect="1"/>
+          </p:cNvPicPr>
+          <p:nvPr>
+            <p:ph idx="1"/>
+          </p:nvPr>
+        </p:nvPicPr>
+        <p:blipFill>
+          <a:blip r:embed="rId2"/>
+          <a:stretch>
+            <a:fillRect/>
+          </a:stretch>
+        </p:blipFill>
+        <p:spPr>
+          <a:xfrm>
+            <a:off x="3071386" y="1825625"/>
+            <a:ext cx="6049227" cy="4351338"/>
+          </a:xfrm>
+          <a:prstGeom prst="rect">
+            <a:avLst/>
+          </a:prstGeom>
+        </p:spPr>
+      </p:pic>
+    </p:spTree>
+    <p:extLst>
+      <p:ext uri="{BB962C8B-B14F-4D97-AF65-F5344CB8AC3E}">
+        <p14:creationId xmlns:p14="http://schemas.microsoft.com/office/powerpoint/2010/main" val="3420983311"/>
+      </p:ext>
+    </p:extLst>
+  </p:cSld>
+  <p:clrMapOvr>
+    <a:masterClrMapping/>
+  </p:clrMapOvr>
+</p:sld>
+</file>
+
+<file path=ppt/slides/slide12.xml><?xml version="1.0" encoding="utf-8"?>
+<p:sld xmlns:a="http://schemas.openxmlformats.org/drawingml/2006/main" xmlns:r="http://schemas.openxmlformats.org/officeDocument/2006/relationships" xmlns:p="http://schemas.openxmlformats.org/presentationml/2006/main">
+  <p:cSld>
+    <p:spTree>
+      <p:nvGrpSpPr>
+        <p:cNvPr id="1" name=""/>
+        <p:cNvGrpSpPr/>
+        <p:nvPr/>
+      </p:nvGrpSpPr>
+      <p:grpSpPr>
+        <a:xfrm>
+          <a:off x="0" y="0"/>
+          <a:ext cx="0" cy="0"/>
+          <a:chOff x="0" y="0"/>
+          <a:chExt cx="0" cy="0"/>
+        </a:xfrm>
+      </p:grpSpPr>
+      <p:sp>
+        <p:nvSpPr>
+          <p:cNvPr id="2" name="Título 1">
+            <a:extLst>
+              <a:ext uri="{FF2B5EF4-FFF2-40B4-BE49-F238E27FC236}">
+                <a16:creationId xmlns:a16="http://schemas.microsoft.com/office/drawing/2014/main" id="{17C4F5E1-BB8F-407E-B960-475C6C4B9846}"/>
+              </a:ext>
+            </a:extLst>
+          </p:cNvPr>
+          <p:cNvSpPr>
+            <a:spLocks noGrp="1"/>
+          </p:cNvSpPr>
+          <p:nvPr>
+            <p:ph type="title"/>
+          </p:nvPr>
+        </p:nvSpPr>
+        <p:spPr/>
+        <p:txBody>
+          <a:bodyPr/>
+          <a:lstStyle/>
+          <a:p>
+            <a:endParaRPr lang="pt-BR"/>
+          </a:p>
+        </p:txBody>
+      </p:sp>
+      <p:pic>
+        <p:nvPicPr>
+          <p:cNvPr id="8" name="Espaço Reservado para Conteúdo 7">
+            <a:extLst>
+              <a:ext uri="{FF2B5EF4-FFF2-40B4-BE49-F238E27FC236}">
+                <a16:creationId xmlns:a16="http://schemas.microsoft.com/office/drawing/2014/main" id="{F839BC46-BFFB-40AE-9C10-D5CB7038BFFA}"/>
+              </a:ext>
+            </a:extLst>
+          </p:cNvPr>
+          <p:cNvPicPr>
+            <a:picLocks noGrp="1" noChangeAspect="1"/>
+          </p:cNvPicPr>
+          <p:nvPr>
+            <p:ph idx="1"/>
+          </p:nvPr>
+        </p:nvPicPr>
+        <p:blipFill>
+          <a:blip r:embed="rId2"/>
+          <a:stretch>
+            <a:fillRect/>
+          </a:stretch>
+        </p:blipFill>
+        <p:spPr>
+          <a:xfrm>
+            <a:off x="3028466" y="1825625"/>
+            <a:ext cx="6135067" cy="4351338"/>
+          </a:xfrm>
+          <a:prstGeom prst="rect">
+            <a:avLst/>
+          </a:prstGeom>
+        </p:spPr>
+      </p:pic>
+    </p:spTree>
+    <p:extLst>
+      <p:ext uri="{BB962C8B-B14F-4D97-AF65-F5344CB8AC3E}">
+        <p14:creationId xmlns:p14="http://schemas.microsoft.com/office/powerpoint/2010/main" val="2408105645"/>
+      </p:ext>
+    </p:extLst>
+  </p:cSld>
+  <p:clrMapOvr>
+    <a:masterClrMapping/>
+  </p:clrMapOvr>
+</p:sld>
+</file>
+
+<file path=ppt/slides/slide13.xml><?xml version="1.0" encoding="utf-8"?>
+<p:sld xmlns:a="http://schemas.openxmlformats.org/drawingml/2006/main" xmlns:r="http://schemas.openxmlformats.org/officeDocument/2006/relationships" xmlns:p="http://schemas.openxmlformats.org/presentationml/2006/main">
+  <p:cSld>
+    <p:spTree>
+      <p:nvGrpSpPr>
+        <p:cNvPr id="1" name=""/>
+        <p:cNvGrpSpPr/>
+        <p:nvPr/>
+      </p:nvGrpSpPr>
+      <p:grpSpPr>
+        <a:xfrm>
+          <a:off x="0" y="0"/>
+          <a:ext cx="0" cy="0"/>
+          <a:chOff x="0" y="0"/>
+          <a:chExt cx="0" cy="0"/>
+        </a:xfrm>
+      </p:grpSpPr>
+      <p:sp>
+        <p:nvSpPr>
+          <p:cNvPr id="2" name="Título 1">
+            <a:extLst>
+              <a:ext uri="{FF2B5EF4-FFF2-40B4-BE49-F238E27FC236}">
+                <a16:creationId xmlns:a16="http://schemas.microsoft.com/office/drawing/2014/main" id="{9252FB24-83F9-4057-9C05-C7A25A60F73C}"/>
+              </a:ext>
+            </a:extLst>
+          </p:cNvPr>
+          <p:cNvSpPr>
+            <a:spLocks noGrp="1"/>
+          </p:cNvSpPr>
+          <p:nvPr>
+            <p:ph type="title"/>
+          </p:nvPr>
+        </p:nvSpPr>
+        <p:spPr/>
+        <p:txBody>
+          <a:bodyPr/>
+          <a:lstStyle/>
+          <a:p>
+            <a:endParaRPr lang="pt-BR"/>
+          </a:p>
+        </p:txBody>
+      </p:sp>
+      <p:pic>
+        <p:nvPicPr>
+          <p:cNvPr id="6" name="Espaço Reservado para Conteúdo 5">
+            <a:extLst>
+              <a:ext uri="{FF2B5EF4-FFF2-40B4-BE49-F238E27FC236}">
+                <a16:creationId xmlns:a16="http://schemas.microsoft.com/office/drawing/2014/main" id="{F71D8590-4A04-419E-8739-5E4C227CB6C5}"/>
+              </a:ext>
+            </a:extLst>
+          </p:cNvPr>
+          <p:cNvPicPr>
+            <a:picLocks noGrp="1" noChangeAspect="1"/>
+          </p:cNvPicPr>
+          <p:nvPr>
+            <p:ph idx="1"/>
+          </p:nvPr>
+        </p:nvPicPr>
+        <p:blipFill>
+          <a:blip r:embed="rId2"/>
+          <a:stretch>
+            <a:fillRect/>
+          </a:stretch>
+        </p:blipFill>
+        <p:spPr>
+          <a:xfrm>
+            <a:off x="3022373" y="1825625"/>
+            <a:ext cx="6147254" cy="4351338"/>
+          </a:xfrm>
+          <a:prstGeom prst="rect">
+            <a:avLst/>
+          </a:prstGeom>
+        </p:spPr>
+      </p:pic>
+    </p:spTree>
+    <p:extLst>
+      <p:ext uri="{BB962C8B-B14F-4D97-AF65-F5344CB8AC3E}">
+        <p14:creationId xmlns:p14="http://schemas.microsoft.com/office/powerpoint/2010/main" val="3288152669"/>
+      </p:ext>
+    </p:extLst>
+  </p:cSld>
+  <p:clrMapOvr>
+    <a:masterClrMapping/>
+  </p:clrMapOvr>
+</p:sld>
+</file>
+
+<file path=ppt/slides/slide14.xml><?xml version="1.0" encoding="utf-8"?>
+<p:sld xmlns:a="http://schemas.openxmlformats.org/drawingml/2006/main" xmlns:r="http://schemas.openxmlformats.org/officeDocument/2006/relationships" xmlns:p="http://schemas.openxmlformats.org/presentationml/2006/main">
+  <p:cSld>
+    <p:spTree>
+      <p:nvGrpSpPr>
+        <p:cNvPr id="1" name=""/>
+        <p:cNvGrpSpPr/>
+        <p:nvPr/>
+      </p:nvGrpSpPr>
+      <p:grpSpPr>
+        <a:xfrm>
+          <a:off x="0" y="0"/>
+          <a:ext cx="0" cy="0"/>
+          <a:chOff x="0" y="0"/>
+          <a:chExt cx="0" cy="0"/>
+        </a:xfrm>
+      </p:grpSpPr>
+      <p:sp>
+        <p:nvSpPr>
+          <p:cNvPr id="2" name="Título 1">
+            <a:extLst>
+              <a:ext uri="{FF2B5EF4-FFF2-40B4-BE49-F238E27FC236}">
+                <a16:creationId xmlns:a16="http://schemas.microsoft.com/office/drawing/2014/main" id="{D6F8D213-A4AB-429E-A16D-AE26C3BEA550}"/>
+              </a:ext>
+            </a:extLst>
+          </p:cNvPr>
+          <p:cNvSpPr>
+            <a:spLocks noGrp="1"/>
+          </p:cNvSpPr>
+          <p:nvPr>
+            <p:ph type="title"/>
+          </p:nvPr>
+        </p:nvSpPr>
+        <p:spPr/>
+        <p:txBody>
+          <a:bodyPr/>
+          <a:lstStyle/>
+          <a:p>
+            <a:endParaRPr lang="pt-BR"/>
+          </a:p>
+        </p:txBody>
+      </p:sp>
+      <p:pic>
+        <p:nvPicPr>
+          <p:cNvPr id="4" name="Espaço Reservado para Conteúdo 3">
+            <a:extLst>
+              <a:ext uri="{FF2B5EF4-FFF2-40B4-BE49-F238E27FC236}">
+                <a16:creationId xmlns:a16="http://schemas.microsoft.com/office/drawing/2014/main" id="{3248C529-DD38-4203-BC76-5DD523C1AD06}"/>
+              </a:ext>
+            </a:extLst>
+          </p:cNvPr>
+          <p:cNvPicPr>
+            <a:picLocks noGrp="1" noChangeAspect="1"/>
+          </p:cNvPicPr>
+          <p:nvPr>
+            <p:ph idx="1"/>
+          </p:nvPr>
+        </p:nvPicPr>
+        <p:blipFill>
+          <a:blip r:embed="rId2"/>
+          <a:stretch>
+            <a:fillRect/>
+          </a:stretch>
+        </p:blipFill>
+        <p:spPr>
+          <a:xfrm>
+            <a:off x="4295523" y="3020082"/>
+            <a:ext cx="3600953" cy="1962424"/>
+          </a:xfrm>
+          <a:prstGeom prst="rect">
+            <a:avLst/>
+          </a:prstGeom>
+        </p:spPr>
+      </p:pic>
+    </p:spTree>
+    <p:extLst>
+      <p:ext uri="{BB962C8B-B14F-4D97-AF65-F5344CB8AC3E}">
+        <p14:creationId xmlns:p14="http://schemas.microsoft.com/office/powerpoint/2010/main" val="676879235"/>
+      </p:ext>
+    </p:extLst>
+  </p:cSld>
+  <p:clrMapOvr>
+    <a:masterClrMapping/>
+  </p:clrMapOvr>
+</p:sld>
+</file>
+
+<file path=ppt/slides/slide15.xml><?xml version="1.0" encoding="utf-8"?>
+<p:sld xmlns:a="http://schemas.openxmlformats.org/drawingml/2006/main" xmlns:r="http://schemas.openxmlformats.org/officeDocument/2006/relationships" xmlns:p="http://schemas.openxmlformats.org/presentationml/2006/main">
+  <p:cSld>
+    <p:spTree>
+      <p:nvGrpSpPr>
+        <p:cNvPr id="1" name=""/>
+        <p:cNvGrpSpPr/>
+        <p:nvPr/>
+      </p:nvGrpSpPr>
+      <p:grpSpPr>
+        <a:xfrm>
+          <a:off x="0" y="0"/>
+          <a:ext cx="0" cy="0"/>
+          <a:chOff x="0" y="0"/>
+          <a:chExt cx="0" cy="0"/>
+        </a:xfrm>
+      </p:grpSpPr>
+      <p:sp>
+        <p:nvSpPr>
+          <p:cNvPr id="2" name="Título 1">
+            <a:extLst>
+              <a:ext uri="{FF2B5EF4-FFF2-40B4-BE49-F238E27FC236}">
+                <a16:creationId xmlns:a16="http://schemas.microsoft.com/office/drawing/2014/main" id="{FE70D642-40FE-41FC-AEA7-5096F08287A3}"/>
+              </a:ext>
+            </a:extLst>
+          </p:cNvPr>
+          <p:cNvSpPr>
+            <a:spLocks noGrp="1"/>
+          </p:cNvSpPr>
+          <p:nvPr>
+            <p:ph type="title"/>
+          </p:nvPr>
+        </p:nvSpPr>
+        <p:spPr/>
+        <p:txBody>
+          <a:bodyPr/>
+          <a:lstStyle/>
+          <a:p>
+            <a:endParaRPr lang="pt-BR"/>
+          </a:p>
+        </p:txBody>
+      </p:sp>
+      <p:pic>
+        <p:nvPicPr>
+          <p:cNvPr id="4" name="Espaço Reservado para Conteúdo 3">
+            <a:extLst>
+              <a:ext uri="{FF2B5EF4-FFF2-40B4-BE49-F238E27FC236}">
+                <a16:creationId xmlns:a16="http://schemas.microsoft.com/office/drawing/2014/main" id="{700D2663-EBAE-470C-898E-6F590AD32C61}"/>
+              </a:ext>
+            </a:extLst>
+          </p:cNvPr>
+          <p:cNvPicPr>
+            <a:picLocks noGrp="1" noChangeAspect="1"/>
+          </p:cNvPicPr>
+          <p:nvPr>
+            <p:ph idx="1"/>
+          </p:nvPr>
+        </p:nvPicPr>
+        <p:blipFill>
+          <a:blip r:embed="rId2"/>
+          <a:stretch>
+            <a:fillRect/>
+          </a:stretch>
+        </p:blipFill>
+        <p:spPr>
+          <a:xfrm>
+            <a:off x="4381260" y="3153450"/>
+            <a:ext cx="3429479" cy="1695687"/>
+          </a:xfrm>
+          <a:prstGeom prst="rect">
+            <a:avLst/>
+          </a:prstGeom>
+        </p:spPr>
+      </p:pic>
+    </p:spTree>
+    <p:extLst>
+      <p:ext uri="{BB962C8B-B14F-4D97-AF65-F5344CB8AC3E}">
+        <p14:creationId xmlns:p14="http://schemas.microsoft.com/office/powerpoint/2010/main" val="650846667"/>
+      </p:ext>
+    </p:extLst>
+  </p:cSld>
+  <p:clrMapOvr>
+    <a:masterClrMapping/>
+  </p:clrMapOvr>
+</p:sld>
+</file>
+
+<file path=ppt/slides/slide16.xml><?xml version="1.0" encoding="utf-8"?>
+<p:sld xmlns:a="http://schemas.openxmlformats.org/drawingml/2006/main" xmlns:r="http://schemas.openxmlformats.org/officeDocument/2006/relationships" xmlns:p="http://schemas.openxmlformats.org/presentationml/2006/main">
+  <p:cSld>
+    <p:spTree>
+      <p:nvGrpSpPr>
+        <p:cNvPr id="1" name=""/>
+        <p:cNvGrpSpPr/>
+        <p:nvPr/>
+      </p:nvGrpSpPr>
+      <p:grpSpPr>
+        <a:xfrm>
+          <a:off x="0" y="0"/>
+          <a:ext cx="0" cy="0"/>
+          <a:chOff x="0" y="0"/>
+          <a:chExt cx="0" cy="0"/>
+        </a:xfrm>
+      </p:grpSpPr>
+      <p:sp>
+        <p:nvSpPr>
+          <p:cNvPr id="2" name="Título 1">
+            <a:extLst>
+              <a:ext uri="{FF2B5EF4-FFF2-40B4-BE49-F238E27FC236}">
+                <a16:creationId xmlns:a16="http://schemas.microsoft.com/office/drawing/2014/main" id="{AB0DE451-FA98-4234-ADDB-5980DD57E60C}"/>
+              </a:ext>
+            </a:extLst>
+          </p:cNvPr>
+          <p:cNvSpPr>
+            <a:spLocks noGrp="1"/>
+          </p:cNvSpPr>
+          <p:nvPr>
+            <p:ph type="title"/>
+          </p:nvPr>
+        </p:nvSpPr>
+        <p:spPr/>
+        <p:txBody>
+          <a:bodyPr/>
+          <a:lstStyle/>
+          <a:p>
+            <a:endParaRPr lang="pt-BR"/>
+          </a:p>
+        </p:txBody>
+      </p:sp>
+      <p:pic>
+        <p:nvPicPr>
+          <p:cNvPr id="4" name="Espaço Reservado para Conteúdo 3">
+            <a:extLst>
+              <a:ext uri="{FF2B5EF4-FFF2-40B4-BE49-F238E27FC236}">
+                <a16:creationId xmlns:a16="http://schemas.microsoft.com/office/drawing/2014/main" id="{745EEB17-707B-4209-8B8A-DDC34CEB6F5B}"/>
+              </a:ext>
+            </a:extLst>
+          </p:cNvPr>
+          <p:cNvPicPr>
+            <a:picLocks noGrp="1" noChangeAspect="1"/>
+          </p:cNvPicPr>
+          <p:nvPr>
+            <p:ph idx="1"/>
+          </p:nvPr>
+        </p:nvPicPr>
+        <p:blipFill>
+          <a:blip r:embed="rId2"/>
+          <a:stretch>
+            <a:fillRect/>
+          </a:stretch>
+        </p:blipFill>
+        <p:spPr>
+          <a:xfrm>
+            <a:off x="4376497" y="3024845"/>
+            <a:ext cx="3439005" cy="1952898"/>
+          </a:xfrm>
+          <a:prstGeom prst="rect">
+            <a:avLst/>
+          </a:prstGeom>
+        </p:spPr>
+      </p:pic>
+    </p:spTree>
+    <p:extLst>
+      <p:ext uri="{BB962C8B-B14F-4D97-AF65-F5344CB8AC3E}">
+        <p14:creationId xmlns:p14="http://schemas.microsoft.com/office/powerpoint/2010/main" val="394228981"/>
+      </p:ext>
+    </p:extLst>
+  </p:cSld>
+  <p:clrMapOvr>
+    <a:masterClrMapping/>
+  </p:clrMapOvr>
+</p:sld>
+</file>
+
+<file path=ppt/slides/slide17.xml><?xml version="1.0" encoding="utf-8"?>
+<p:sld xmlns:a="http://schemas.openxmlformats.org/drawingml/2006/main" xmlns:r="http://schemas.openxmlformats.org/officeDocument/2006/relationships" xmlns:p="http://schemas.openxmlformats.org/presentationml/2006/main">
+  <p:cSld>
+    <p:spTree>
+      <p:nvGrpSpPr>
+        <p:cNvPr id="1" name=""/>
+        <p:cNvGrpSpPr/>
+        <p:nvPr/>
+      </p:nvGrpSpPr>
+      <p:grpSpPr>
+        <a:xfrm>
+          <a:off x="0" y="0"/>
+          <a:ext cx="0" cy="0"/>
+          <a:chOff x="0" y="0"/>
+          <a:chExt cx="0" cy="0"/>
+        </a:xfrm>
+      </p:grpSpPr>
+      <p:sp>
+        <p:nvSpPr>
+          <p:cNvPr id="2" name="Título 1">
+            <a:extLst>
+              <a:ext uri="{FF2B5EF4-FFF2-40B4-BE49-F238E27FC236}">
+                <a16:creationId xmlns:a16="http://schemas.microsoft.com/office/drawing/2014/main" id="{9A120BD7-BFDC-4757-A809-C7811696C6F4}"/>
+              </a:ext>
+            </a:extLst>
+          </p:cNvPr>
+          <p:cNvSpPr>
+            <a:spLocks noGrp="1"/>
+          </p:cNvSpPr>
+          <p:nvPr>
+            <p:ph type="title"/>
+          </p:nvPr>
+        </p:nvSpPr>
+        <p:spPr/>
+        <p:txBody>
+          <a:bodyPr/>
+          <a:lstStyle/>
+          <a:p>
+            <a:endParaRPr lang="pt-BR"/>
+          </a:p>
+        </p:txBody>
+      </p:sp>
+      <p:pic>
+        <p:nvPicPr>
+          <p:cNvPr id="4" name="Espaço Reservado para Conteúdo 3">
+            <a:extLst>
+              <a:ext uri="{FF2B5EF4-FFF2-40B4-BE49-F238E27FC236}">
+                <a16:creationId xmlns:a16="http://schemas.microsoft.com/office/drawing/2014/main" id="{259880AD-F43D-4EDF-A439-CC45C0D93B43}"/>
+              </a:ext>
+            </a:extLst>
+          </p:cNvPr>
+          <p:cNvPicPr>
+            <a:picLocks noGrp="1" noChangeAspect="1"/>
+          </p:cNvPicPr>
+          <p:nvPr>
+            <p:ph idx="1"/>
+          </p:nvPr>
+        </p:nvPicPr>
+        <p:blipFill>
+          <a:blip r:embed="rId2"/>
+          <a:stretch>
+            <a:fillRect/>
+          </a:stretch>
+        </p:blipFill>
+        <p:spPr>
+          <a:xfrm>
+            <a:off x="3054853" y="1825625"/>
+            <a:ext cx="6082294" cy="4351338"/>
+          </a:xfrm>
+          <a:prstGeom prst="rect">
+            <a:avLst/>
+          </a:prstGeom>
+        </p:spPr>
+      </p:pic>
+    </p:spTree>
+    <p:extLst>
+      <p:ext uri="{BB962C8B-B14F-4D97-AF65-F5344CB8AC3E}">
+        <p14:creationId xmlns:p14="http://schemas.microsoft.com/office/powerpoint/2010/main" val="899347937"/>
+      </p:ext>
+    </p:extLst>
+  </p:cSld>
+  <p:clrMapOvr>
+    <a:masterClrMapping/>
+  </p:clrMapOvr>
+</p:sld>
+</file>
+
+<file path=ppt/slides/slide18.xml><?xml version="1.0" encoding="utf-8"?>
+<p:sld xmlns:a="http://schemas.openxmlformats.org/drawingml/2006/main" xmlns:r="http://schemas.openxmlformats.org/officeDocument/2006/relationships" xmlns:p="http://schemas.openxmlformats.org/presentationml/2006/main">
+  <p:cSld>
+    <p:spTree>
+      <p:nvGrpSpPr>
+        <p:cNvPr id="1" name=""/>
+        <p:cNvGrpSpPr/>
+        <p:nvPr/>
+      </p:nvGrpSpPr>
+      <p:grpSpPr>
+        <a:xfrm>
+          <a:off x="0" y="0"/>
+          <a:ext cx="0" cy="0"/>
+          <a:chOff x="0" y="0"/>
+          <a:chExt cx="0" cy="0"/>
+        </a:xfrm>
+      </p:grpSpPr>
+      <p:sp>
+        <p:nvSpPr>
+          <p:cNvPr id="2" name="Título 1">
+            <a:extLst>
+              <a:ext uri="{FF2B5EF4-FFF2-40B4-BE49-F238E27FC236}">
+                <a16:creationId xmlns:a16="http://schemas.microsoft.com/office/drawing/2014/main" id="{28F15476-B033-4AC3-9F21-0594EEDE55E0}"/>
+              </a:ext>
+            </a:extLst>
+          </p:cNvPr>
+          <p:cNvSpPr>
+            <a:spLocks noGrp="1"/>
+          </p:cNvSpPr>
+          <p:nvPr>
+            <p:ph type="title"/>
+          </p:nvPr>
+        </p:nvSpPr>
+        <p:spPr/>
+        <p:txBody>
+          <a:bodyPr/>
+          <a:lstStyle/>
+          <a:p>
+            <a:endParaRPr lang="pt-BR"/>
+          </a:p>
+        </p:txBody>
+      </p:sp>
+      <p:sp>
+        <p:nvSpPr>
+          <p:cNvPr id="3" name="Espaço Reservado para Conteúdo 2">
+            <a:extLst>
+              <a:ext uri="{FF2B5EF4-FFF2-40B4-BE49-F238E27FC236}">
+                <a16:creationId xmlns:a16="http://schemas.microsoft.com/office/drawing/2014/main" id="{9BD0BA11-AF24-4689-AED9-20FC5090B3C8}"/>
+              </a:ext>
+            </a:extLst>
+          </p:cNvPr>
+          <p:cNvSpPr>
+            <a:spLocks noGrp="1"/>
+          </p:cNvSpPr>
+          <p:nvPr>
+            <p:ph idx="1"/>
+          </p:nvPr>
+        </p:nvSpPr>
+        <p:spPr/>
+        <p:txBody>
+          <a:bodyPr/>
+          <a:lstStyle/>
+          <a:p>
+            <a:endParaRPr lang="pt-BR"/>
+          </a:p>
+        </p:txBody>
+      </p:sp>
+    </p:spTree>
+    <p:extLst>
+      <p:ext uri="{BB962C8B-B14F-4D97-AF65-F5344CB8AC3E}">
+        <p14:creationId xmlns:p14="http://schemas.microsoft.com/office/powerpoint/2010/main" val="1236057116"/>
+      </p:ext>
+    </p:extLst>
+  </p:cSld>
+  <p:clrMapOvr>
+    <a:masterClrMapping/>
+  </p:clrMapOvr>
+</p:sld>
+</file>
+
 <file path=ppt/slides/slide2.xml><?xml version="1.0" encoding="utf-8"?>
 <p:sld xmlns:a="http://schemas.openxmlformats.org/drawingml/2006/main" xmlns:r="http://schemas.openxmlformats.org/officeDocument/2006/relationships" xmlns:p="http://schemas.openxmlformats.org/presentationml/2006/main">
   <p:cSld>
@@ -3927,6 +4720,265 @@
     <p:extLst>
       <p:ext uri="{BB962C8B-B14F-4D97-AF65-F5344CB8AC3E}">
         <p14:creationId xmlns:p14="http://schemas.microsoft.com/office/powerpoint/2010/main" val="3828038751"/>
+      </p:ext>
+    </p:extLst>
+  </p:cSld>
+  <p:clrMapOvr>
+    <a:masterClrMapping/>
+  </p:clrMapOvr>
+</p:sld>
+</file>
+
+<file path=ppt/slides/slide7.xml><?xml version="1.0" encoding="utf-8"?>
+<p:sld xmlns:a="http://schemas.openxmlformats.org/drawingml/2006/main" xmlns:r="http://schemas.openxmlformats.org/officeDocument/2006/relationships" xmlns:p="http://schemas.openxmlformats.org/presentationml/2006/main">
+  <p:cSld>
+    <p:spTree>
+      <p:nvGrpSpPr>
+        <p:cNvPr id="1" name=""/>
+        <p:cNvGrpSpPr/>
+        <p:nvPr/>
+      </p:nvGrpSpPr>
+      <p:grpSpPr>
+        <a:xfrm>
+          <a:off x="0" y="0"/>
+          <a:ext cx="0" cy="0"/>
+          <a:chOff x="0" y="0"/>
+          <a:chExt cx="0" cy="0"/>
+        </a:xfrm>
+      </p:grpSpPr>
+      <p:sp>
+        <p:nvSpPr>
+          <p:cNvPr id="2" name="Título 1">
+            <a:extLst>
+              <a:ext uri="{FF2B5EF4-FFF2-40B4-BE49-F238E27FC236}">
+                <a16:creationId xmlns:a16="http://schemas.microsoft.com/office/drawing/2014/main" id="{AEC3932E-A347-4978-99E4-BFAB42D40701}"/>
+              </a:ext>
+            </a:extLst>
+          </p:cNvPr>
+          <p:cNvSpPr>
+            <a:spLocks noGrp="1"/>
+          </p:cNvSpPr>
+          <p:nvPr>
+            <p:ph type="title"/>
+          </p:nvPr>
+        </p:nvSpPr>
+        <p:spPr/>
+        <p:txBody>
+          <a:bodyPr/>
+          <a:lstStyle/>
+          <a:p>
+            <a:endParaRPr lang="pt-BR"/>
+          </a:p>
+        </p:txBody>
+      </p:sp>
+      <p:pic>
+        <p:nvPicPr>
+          <p:cNvPr id="4" name="Imagem 3">
+            <a:extLst>
+              <a:ext uri="{FF2B5EF4-FFF2-40B4-BE49-F238E27FC236}">
+                <a16:creationId xmlns:a16="http://schemas.microsoft.com/office/drawing/2014/main" id="{3AC80E47-8B3D-43DE-8BD8-65FBA97AC161}"/>
+              </a:ext>
+            </a:extLst>
+          </p:cNvPr>
+          <p:cNvPicPr>
+            <a:picLocks noChangeAspect="1"/>
+          </p:cNvPicPr>
+          <p:nvPr/>
+        </p:nvPicPr>
+        <p:blipFill>
+          <a:blip r:embed="rId2"/>
+          <a:stretch>
+            <a:fillRect/>
+          </a:stretch>
+        </p:blipFill>
+        <p:spPr>
+          <a:xfrm>
+            <a:off x="3333364" y="2676420"/>
+            <a:ext cx="5525271" cy="1505160"/>
+          </a:xfrm>
+          <a:prstGeom prst="rect">
+            <a:avLst/>
+          </a:prstGeom>
+        </p:spPr>
+      </p:pic>
+    </p:spTree>
+    <p:extLst>
+      <p:ext uri="{BB962C8B-B14F-4D97-AF65-F5344CB8AC3E}">
+        <p14:creationId xmlns:p14="http://schemas.microsoft.com/office/powerpoint/2010/main" val="2205520095"/>
+      </p:ext>
+    </p:extLst>
+  </p:cSld>
+  <p:clrMapOvr>
+    <a:masterClrMapping/>
+  </p:clrMapOvr>
+</p:sld>
+</file>
+
+<file path=ppt/slides/slide8.xml><?xml version="1.0" encoding="utf-8"?>
+<p:sld xmlns:a="http://schemas.openxmlformats.org/drawingml/2006/main" xmlns:r="http://schemas.openxmlformats.org/officeDocument/2006/relationships" xmlns:p="http://schemas.openxmlformats.org/presentationml/2006/main">
+  <p:cSld>
+    <p:spTree>
+      <p:nvGrpSpPr>
+        <p:cNvPr id="1" name=""/>
+        <p:cNvGrpSpPr/>
+        <p:nvPr/>
+      </p:nvGrpSpPr>
+      <p:grpSpPr>
+        <a:xfrm>
+          <a:off x="0" y="0"/>
+          <a:ext cx="0" cy="0"/>
+          <a:chOff x="0" y="0"/>
+          <a:chExt cx="0" cy="0"/>
+        </a:xfrm>
+      </p:grpSpPr>
+      <p:sp>
+        <p:nvSpPr>
+          <p:cNvPr id="2" name="Título 1">
+            <a:extLst>
+              <a:ext uri="{FF2B5EF4-FFF2-40B4-BE49-F238E27FC236}">
+                <a16:creationId xmlns:a16="http://schemas.microsoft.com/office/drawing/2014/main" id="{36B7361A-A1B5-4B76-B837-5CDF8913DCD1}"/>
+              </a:ext>
+            </a:extLst>
+          </p:cNvPr>
+          <p:cNvSpPr>
+            <a:spLocks noGrp="1"/>
+          </p:cNvSpPr>
+          <p:nvPr>
+            <p:ph type="title"/>
+          </p:nvPr>
+        </p:nvSpPr>
+        <p:spPr/>
+        <p:txBody>
+          <a:bodyPr/>
+          <a:lstStyle/>
+          <a:p>
+            <a:endParaRPr lang="pt-BR"/>
+          </a:p>
+        </p:txBody>
+      </p:sp>
+      <p:pic>
+        <p:nvPicPr>
+          <p:cNvPr id="4" name="Espaço Reservado para Conteúdo 3">
+            <a:extLst>
+              <a:ext uri="{FF2B5EF4-FFF2-40B4-BE49-F238E27FC236}">
+                <a16:creationId xmlns:a16="http://schemas.microsoft.com/office/drawing/2014/main" id="{3A26F838-DEE8-408F-87A7-30AC6D833FE0}"/>
+              </a:ext>
+            </a:extLst>
+          </p:cNvPr>
+          <p:cNvPicPr>
+            <a:picLocks noGrp="1" noChangeAspect="1"/>
+          </p:cNvPicPr>
+          <p:nvPr>
+            <p:ph idx="1"/>
+          </p:nvPr>
+        </p:nvPicPr>
+        <p:blipFill>
+          <a:blip r:embed="rId2"/>
+          <a:stretch>
+            <a:fillRect/>
+          </a:stretch>
+        </p:blipFill>
+        <p:spPr>
+          <a:xfrm>
+            <a:off x="1992611" y="1027906"/>
+            <a:ext cx="6016470" cy="4351338"/>
+          </a:xfrm>
+          <a:prstGeom prst="rect">
+            <a:avLst/>
+          </a:prstGeom>
+        </p:spPr>
+      </p:pic>
+    </p:spTree>
+    <p:extLst>
+      <p:ext uri="{BB962C8B-B14F-4D97-AF65-F5344CB8AC3E}">
+        <p14:creationId xmlns:p14="http://schemas.microsoft.com/office/powerpoint/2010/main" val="3016896678"/>
+      </p:ext>
+    </p:extLst>
+  </p:cSld>
+  <p:clrMapOvr>
+    <a:masterClrMapping/>
+  </p:clrMapOvr>
+</p:sld>
+</file>
+
+<file path=ppt/slides/slide9.xml><?xml version="1.0" encoding="utf-8"?>
+<p:sld xmlns:a="http://schemas.openxmlformats.org/drawingml/2006/main" xmlns:r="http://schemas.openxmlformats.org/officeDocument/2006/relationships" xmlns:p="http://schemas.openxmlformats.org/presentationml/2006/main">
+  <p:cSld>
+    <p:spTree>
+      <p:nvGrpSpPr>
+        <p:cNvPr id="1" name=""/>
+        <p:cNvGrpSpPr/>
+        <p:nvPr/>
+      </p:nvGrpSpPr>
+      <p:grpSpPr>
+        <a:xfrm>
+          <a:off x="0" y="0"/>
+          <a:ext cx="0" cy="0"/>
+          <a:chOff x="0" y="0"/>
+          <a:chExt cx="0" cy="0"/>
+        </a:xfrm>
+      </p:grpSpPr>
+      <p:sp>
+        <p:nvSpPr>
+          <p:cNvPr id="2" name="Título 1">
+            <a:extLst>
+              <a:ext uri="{FF2B5EF4-FFF2-40B4-BE49-F238E27FC236}">
+                <a16:creationId xmlns:a16="http://schemas.microsoft.com/office/drawing/2014/main" id="{FED3A835-E9EB-4F53-B2B0-3077BCE62F54}"/>
+              </a:ext>
+            </a:extLst>
+          </p:cNvPr>
+          <p:cNvSpPr>
+            <a:spLocks noGrp="1"/>
+          </p:cNvSpPr>
+          <p:nvPr>
+            <p:ph type="title"/>
+          </p:nvPr>
+        </p:nvSpPr>
+        <p:spPr/>
+        <p:txBody>
+          <a:bodyPr/>
+          <a:lstStyle/>
+          <a:p>
+            <a:endParaRPr lang="pt-BR"/>
+          </a:p>
+        </p:txBody>
+      </p:sp>
+      <p:pic>
+        <p:nvPicPr>
+          <p:cNvPr id="6" name="Espaço Reservado para Conteúdo 5">
+            <a:extLst>
+              <a:ext uri="{FF2B5EF4-FFF2-40B4-BE49-F238E27FC236}">
+                <a16:creationId xmlns:a16="http://schemas.microsoft.com/office/drawing/2014/main" id="{625206B6-48A0-4B80-9A60-A02AD55E330D}"/>
+              </a:ext>
+            </a:extLst>
+          </p:cNvPr>
+          <p:cNvPicPr>
+            <a:picLocks noGrp="1" noChangeAspect="1"/>
+          </p:cNvPicPr>
+          <p:nvPr>
+            <p:ph idx="1"/>
+          </p:nvPr>
+        </p:nvPicPr>
+        <p:blipFill>
+          <a:blip r:embed="rId2"/>
+          <a:stretch>
+            <a:fillRect/>
+          </a:stretch>
+        </p:blipFill>
+        <p:spPr>
+          <a:xfrm>
+            <a:off x="3098062" y="1825625"/>
+            <a:ext cx="5995876" cy="4351338"/>
+          </a:xfrm>
+          <a:prstGeom prst="rect">
+            <a:avLst/>
+          </a:prstGeom>
+        </p:spPr>
+      </p:pic>
+    </p:spTree>
+    <p:extLst>
+      <p:ext uri="{BB962C8B-B14F-4D97-AF65-F5344CB8AC3E}">
+        <p14:creationId xmlns:p14="http://schemas.microsoft.com/office/powerpoint/2010/main" val="1204959128"/>
       </p:ext>
     </p:extLst>
   </p:cSld>
